--- a/Documents/회의록 및 일정/4월4일.pptx
+++ b/Documents/회의록 및 일정/4월4일.pptx
@@ -106,6 +106,11 @@
       </a:defRPr>
     </a:lvl9pPr>
   </p:defaultTextStyle>
+  <p:extLst>
+    <p:ext uri="{EFAFB233-063F-42B5-8137-9DF3F51BA10A}">
+      <p15:sldGuideLst xmlns:p15="http://schemas.microsoft.com/office/powerpoint/2012/main"/>
+    </p:ext>
+  </p:extLst>
 </p:presentation>
 </file>
 
@@ -240,7 +245,7 @@
           <a:p>
             <a:fld id="{C4052176-E421-4415-B777-3F697987D826}" type="datetimeFigureOut">
               <a:rPr lang="ko-KR" altLang="en-US" smtClean="0"/>
-              <a:t>2017-04-03</a:t>
+              <a:t>2017-04-05</a:t>
             </a:fld>
             <a:endParaRPr lang="ko-KR" altLang="en-US"/>
           </a:p>
@@ -410,7 +415,7 @@
           <a:p>
             <a:fld id="{C4052176-E421-4415-B777-3F697987D826}" type="datetimeFigureOut">
               <a:rPr lang="ko-KR" altLang="en-US" smtClean="0"/>
-              <a:t>2017-04-03</a:t>
+              <a:t>2017-04-05</a:t>
             </a:fld>
             <a:endParaRPr lang="ko-KR" altLang="en-US"/>
           </a:p>
@@ -590,7 +595,7 @@
           <a:p>
             <a:fld id="{C4052176-E421-4415-B777-3F697987D826}" type="datetimeFigureOut">
               <a:rPr lang="ko-KR" altLang="en-US" smtClean="0"/>
-              <a:t>2017-04-03</a:t>
+              <a:t>2017-04-05</a:t>
             </a:fld>
             <a:endParaRPr lang="ko-KR" altLang="en-US"/>
           </a:p>
@@ -760,7 +765,7 @@
           <a:p>
             <a:fld id="{C4052176-E421-4415-B777-3F697987D826}" type="datetimeFigureOut">
               <a:rPr lang="ko-KR" altLang="en-US" smtClean="0"/>
-              <a:t>2017-04-03</a:t>
+              <a:t>2017-04-05</a:t>
             </a:fld>
             <a:endParaRPr lang="ko-KR" altLang="en-US"/>
           </a:p>
@@ -1006,7 +1011,7 @@
           <a:p>
             <a:fld id="{C4052176-E421-4415-B777-3F697987D826}" type="datetimeFigureOut">
               <a:rPr lang="ko-KR" altLang="en-US" smtClean="0"/>
-              <a:t>2017-04-03</a:t>
+              <a:t>2017-04-05</a:t>
             </a:fld>
             <a:endParaRPr lang="ko-KR" altLang="en-US"/>
           </a:p>
@@ -1238,7 +1243,7 @@
           <a:p>
             <a:fld id="{C4052176-E421-4415-B777-3F697987D826}" type="datetimeFigureOut">
               <a:rPr lang="ko-KR" altLang="en-US" smtClean="0"/>
-              <a:t>2017-04-03</a:t>
+              <a:t>2017-04-05</a:t>
             </a:fld>
             <a:endParaRPr lang="ko-KR" altLang="en-US"/>
           </a:p>
@@ -1605,7 +1610,7 @@
           <a:p>
             <a:fld id="{C4052176-E421-4415-B777-3F697987D826}" type="datetimeFigureOut">
               <a:rPr lang="ko-KR" altLang="en-US" smtClean="0"/>
-              <a:t>2017-04-03</a:t>
+              <a:t>2017-04-05</a:t>
             </a:fld>
             <a:endParaRPr lang="ko-KR" altLang="en-US"/>
           </a:p>
@@ -1723,7 +1728,7 @@
           <a:p>
             <a:fld id="{C4052176-E421-4415-B777-3F697987D826}" type="datetimeFigureOut">
               <a:rPr lang="ko-KR" altLang="en-US" smtClean="0"/>
-              <a:t>2017-04-03</a:t>
+              <a:t>2017-04-05</a:t>
             </a:fld>
             <a:endParaRPr lang="ko-KR" altLang="en-US"/>
           </a:p>
@@ -1818,7 +1823,7 @@
           <a:p>
             <a:fld id="{C4052176-E421-4415-B777-3F697987D826}" type="datetimeFigureOut">
               <a:rPr lang="ko-KR" altLang="en-US" smtClean="0"/>
-              <a:t>2017-04-03</a:t>
+              <a:t>2017-04-05</a:t>
             </a:fld>
             <a:endParaRPr lang="ko-KR" altLang="en-US"/>
           </a:p>
@@ -2095,7 +2100,7 @@
           <a:p>
             <a:fld id="{C4052176-E421-4415-B777-3F697987D826}" type="datetimeFigureOut">
               <a:rPr lang="ko-KR" altLang="en-US" smtClean="0"/>
-              <a:t>2017-04-03</a:t>
+              <a:t>2017-04-05</a:t>
             </a:fld>
             <a:endParaRPr lang="ko-KR" altLang="en-US"/>
           </a:p>
@@ -2348,7 +2353,7 @@
           <a:p>
             <a:fld id="{C4052176-E421-4415-B777-3F697987D826}" type="datetimeFigureOut">
               <a:rPr lang="ko-KR" altLang="en-US" smtClean="0"/>
-              <a:t>2017-04-03</a:t>
+              <a:t>2017-04-05</a:t>
             </a:fld>
             <a:endParaRPr lang="ko-KR" altLang="en-US"/>
           </a:p>
@@ -2561,7 +2566,7 @@
           <a:p>
             <a:fld id="{C4052176-E421-4415-B777-3F697987D826}" type="datetimeFigureOut">
               <a:rPr lang="ko-KR" altLang="en-US" smtClean="0"/>
-              <a:t>2017-04-03</a:t>
+              <a:t>2017-04-05</a:t>
             </a:fld>
             <a:endParaRPr lang="ko-KR" altLang="en-US"/>
           </a:p>
@@ -2995,11 +3000,7 @@
             </a:r>
             <a:r>
               <a:rPr lang="ko-KR" altLang="en-US" dirty="0" smtClean="0"/>
-              <a:t>일 </a:t>
-            </a:r>
-            <a:r>
-              <a:rPr lang="ko-KR" altLang="en-US" dirty="0" smtClean="0"/>
-              <a:t>회의록</a:t>
+              <a:t>일 회의록</a:t>
             </a:r>
             <a:endParaRPr lang="ko-KR" altLang="en-US" dirty="0"/>
           </a:p>
@@ -3082,11 +3083,7 @@
             </a:r>
             <a:r>
               <a:rPr lang="en-US" altLang="ko-KR" dirty="0" smtClean="0"/>
-              <a:t>1 </a:t>
-            </a:r>
-            <a:r>
-              <a:rPr lang="en-US" altLang="ko-KR" dirty="0" smtClean="0"/>
-              <a:t>– </a:t>
+              <a:t>1 – </a:t>
             </a:r>
             <a:r>
               <a:rPr lang="ko-KR" altLang="en-US" dirty="0" smtClean="0"/>
@@ -3332,27 +3329,27 @@
           </a:p>
           <a:p>
             <a:r>
-              <a:rPr lang="ko-KR" altLang="en-US" dirty="0" smtClean="0"/>
+              <a:rPr lang="ko-KR" altLang="en-US" strike="sngStrike" dirty="0" smtClean="0"/>
               <a:t>적 </a:t>
             </a:r>
             <a:r>
-              <a:rPr lang="ko-KR" altLang="en-US" dirty="0" err="1" smtClean="0"/>
+              <a:rPr lang="ko-KR" altLang="en-US" strike="sngStrike" dirty="0" err="1" smtClean="0"/>
               <a:t>케릭터들</a:t>
             </a:r>
             <a:r>
-              <a:rPr lang="ko-KR" altLang="en-US" dirty="0" smtClean="0"/>
+              <a:rPr lang="ko-KR" altLang="en-US" strike="sngStrike" dirty="0" smtClean="0"/>
               <a:t> 버그 수정 부탁</a:t>
             </a:r>
             <a:r>
-              <a:rPr lang="en-US" altLang="ko-KR" dirty="0" smtClean="0"/>
+              <a:rPr lang="en-US" altLang="ko-KR" strike="sngStrike" dirty="0" smtClean="0"/>
               <a:t>(</a:t>
             </a:r>
             <a:r>
-              <a:rPr lang="ko-KR" altLang="en-US" dirty="0" smtClean="0"/>
+              <a:rPr lang="ko-KR" altLang="en-US" strike="sngStrike" dirty="0" smtClean="0"/>
               <a:t>먹통 버그</a:t>
             </a:r>
             <a:r>
-              <a:rPr lang="en-US" altLang="ko-KR" dirty="0" smtClean="0"/>
+              <a:rPr lang="en-US" altLang="ko-KR" strike="sngStrike" dirty="0" smtClean="0"/>
               <a:t>)</a:t>
             </a:r>
           </a:p>
@@ -3380,39 +3377,39 @@
           </a:p>
           <a:p>
             <a:r>
-              <a:rPr lang="ko-KR" altLang="en-US" dirty="0" smtClean="0"/>
+              <a:rPr lang="ko-KR" altLang="en-US" strike="sngStrike" dirty="0" smtClean="0"/>
               <a:t>과거 현재 </a:t>
             </a:r>
             <a:r>
-              <a:rPr lang="ko-KR" altLang="en-US" dirty="0" err="1" smtClean="0"/>
+              <a:rPr lang="ko-KR" altLang="en-US" strike="sngStrike" dirty="0" err="1" smtClean="0"/>
               <a:t>레이어</a:t>
             </a:r>
             <a:r>
-              <a:rPr lang="ko-KR" altLang="en-US" dirty="0" smtClean="0"/>
+              <a:rPr lang="ko-KR" altLang="en-US" strike="sngStrike" dirty="0" smtClean="0"/>
               <a:t> 자동화</a:t>
             </a:r>
             <a:r>
-              <a:rPr lang="en-US" altLang="ko-KR" dirty="0" smtClean="0"/>
+              <a:rPr lang="en-US" altLang="ko-KR" strike="sngStrike" dirty="0" smtClean="0"/>
               <a:t>(inspecto</a:t>
             </a:r>
             <a:r>
-              <a:rPr lang="en-US" altLang="ko-KR" dirty="0"/>
+              <a:rPr lang="en-US" altLang="ko-KR" strike="sngStrike" dirty="0"/>
               <a:t>r</a:t>
             </a:r>
             <a:r>
-              <a:rPr lang="ko-KR" altLang="en-US" dirty="0" smtClean="0"/>
+              <a:rPr lang="ko-KR" altLang="en-US" strike="sngStrike" dirty="0" smtClean="0"/>
               <a:t>에서 값을 변경하지 않고 </a:t>
             </a:r>
             <a:r>
-              <a:rPr lang="en-US" altLang="ko-KR" dirty="0" smtClean="0"/>
+              <a:rPr lang="en-US" altLang="ko-KR" strike="sngStrike" dirty="0" smtClean="0"/>
               <a:t>hierarchy </a:t>
             </a:r>
             <a:r>
-              <a:rPr lang="ko-KR" altLang="en-US" dirty="0" smtClean="0"/>
+              <a:rPr lang="ko-KR" altLang="en-US" strike="sngStrike" dirty="0" smtClean="0"/>
               <a:t>관계 만으로 정해지도록</a:t>
             </a:r>
             <a:r>
-              <a:rPr lang="en-US" altLang="ko-KR" dirty="0" smtClean="0"/>
+              <a:rPr lang="en-US" altLang="ko-KR" strike="sngStrike" dirty="0" smtClean="0"/>
               <a:t>)</a:t>
             </a:r>
           </a:p>
@@ -3433,10 +3430,9 @@
               <a:t>이펙트</a:t>
             </a:r>
             <a:r>
-              <a:rPr lang="en-US" altLang="ko-KR" smtClean="0"/>
+              <a:rPr lang="en-US" altLang="ko-KR" dirty="0" smtClean="0"/>
               <a:t>??</a:t>
             </a:r>
-            <a:endParaRPr lang="en-US" altLang="ko-KR" dirty="0" smtClean="0"/>
           </a:p>
         </p:txBody>
       </p:sp>

--- a/Documents/회의록 및 일정/4월4일.pptx
+++ b/Documents/회의록 및 일정/4월4일.pptx
@@ -3258,7 +3258,9 @@
         </p:nvSpPr>
         <p:spPr/>
         <p:txBody>
-          <a:bodyPr/>
+          <a:bodyPr>
+            <a:normAutofit fontScale="85000" lnSpcReduction="20000"/>
+          </a:bodyPr>
           <a:lstStyle/>
           <a:p>
             <a:r>
@@ -3433,6 +3435,39 @@
               <a:rPr lang="en-US" altLang="ko-KR" dirty="0" smtClean="0"/>
               <a:t>??</a:t>
             </a:r>
+          </a:p>
+          <a:p>
+            <a:r>
+              <a:rPr lang="en-US" altLang="ko-KR" dirty="0" smtClean="0"/>
+              <a:t>Stage1-2 </a:t>
+            </a:r>
+            <a:r>
+              <a:rPr lang="ko-KR" altLang="en-US" dirty="0" smtClean="0"/>
+              <a:t>레벨 디자인</a:t>
+            </a:r>
+            <a:endParaRPr lang="en-US" altLang="ko-KR" dirty="0"/>
+          </a:p>
+          <a:p>
+            <a:r>
+              <a:rPr lang="ko-KR" altLang="en-US" dirty="0" smtClean="0"/>
+              <a:t>여자 </a:t>
+            </a:r>
+            <a:r>
+              <a:rPr lang="ko-KR" altLang="en-US" dirty="0" err="1" smtClean="0"/>
+              <a:t>케릭터</a:t>
+            </a:r>
+            <a:r>
+              <a:rPr lang="ko-KR" altLang="en-US" dirty="0" smtClean="0"/>
+              <a:t> 개발</a:t>
+            </a:r>
+            <a:endParaRPr lang="en-US" altLang="ko-KR" dirty="0" smtClean="0"/>
+          </a:p>
+          <a:p>
+            <a:r>
+              <a:rPr lang="ko-KR" altLang="en-US" smtClean="0"/>
+              <a:t>총알 스크립트 개발</a:t>
+            </a:r>
+            <a:endParaRPr lang="en-US" altLang="ko-KR" smtClean="0"/>
           </a:p>
         </p:txBody>
       </p:sp>
